--- a/人物卡1.pptx
+++ b/人物卡1.pptx
@@ -4033,7 +4033,15 @@
             <a:pPr algn="r"/>
             <a:r>
               <a:rPr kumimoji="1" lang="en-US" altLang="zh-CN" sz="600" dirty="0"/>
-              <a:t>.ra STR</a:t>
+              <a:t>.</a:t>
+            </a:r>
+            <a:r>
+              <a:rPr kumimoji="1" lang="en-US" altLang="zh-CN" sz="600" dirty="0" err="1"/>
+              <a:t>rc</a:t>
+            </a:r>
+            <a:r>
+              <a:rPr kumimoji="1" lang="en-US" altLang="zh-CN" sz="600" dirty="0"/>
+              <a:t> STR</a:t>
             </a:r>
             <a:endParaRPr kumimoji="1" lang="zh-CN" altLang="en-US" sz="600" dirty="0"/>
           </a:p>
@@ -4107,7 +4115,15 @@
             <a:pPr algn="r"/>
             <a:r>
               <a:rPr kumimoji="1" lang="en-US" altLang="zh-CN" sz="600" dirty="0"/>
-              <a:t>.ra </a:t>
+              <a:t>.</a:t>
+            </a:r>
+            <a:r>
+              <a:rPr kumimoji="1" lang="en-US" altLang="zh-CN" sz="600" dirty="0" err="1"/>
+              <a:t>rc</a:t>
+            </a:r>
+            <a:r>
+              <a:rPr kumimoji="1" lang="en-US" altLang="zh-CN" sz="600" dirty="0"/>
+              <a:t> </a:t>
             </a:r>
             <a:r>
               <a:rPr kumimoji="1" lang="zh-CN" altLang="en-US" sz="600" dirty="0"/>
@@ -5679,7 +5695,15 @@
             <a:pPr algn="r"/>
             <a:r>
               <a:rPr kumimoji="1" lang="en-US" altLang="zh-CN" sz="600" dirty="0"/>
-              <a:t>.ra STR</a:t>
+              <a:t>.</a:t>
+            </a:r>
+            <a:r>
+              <a:rPr kumimoji="1" lang="en-US" altLang="zh-CN" sz="600" dirty="0" err="1"/>
+              <a:t>rc</a:t>
+            </a:r>
+            <a:r>
+              <a:rPr kumimoji="1" lang="en-US" altLang="zh-CN" sz="600" dirty="0"/>
+              <a:t> STR</a:t>
             </a:r>
             <a:endParaRPr kumimoji="1" lang="zh-CN" altLang="en-US" sz="600" dirty="0"/>
           </a:p>
@@ -5753,7 +5777,15 @@
             <a:pPr algn="r"/>
             <a:r>
               <a:rPr kumimoji="1" lang="en-US" altLang="zh-CN" sz="600" dirty="0"/>
-              <a:t>.ra </a:t>
+              <a:t>.</a:t>
+            </a:r>
+            <a:r>
+              <a:rPr kumimoji="1" lang="en-US" altLang="zh-CN" sz="600" dirty="0" err="1"/>
+              <a:t>rc</a:t>
+            </a:r>
+            <a:r>
+              <a:rPr kumimoji="1" lang="en-US" altLang="zh-CN" sz="600" dirty="0"/>
+              <a:t> </a:t>
             </a:r>
             <a:r>
               <a:rPr kumimoji="1" lang="zh-CN" altLang="en-US" sz="600" dirty="0"/>
